--- a/pptx/badhon/badhon.pptx
+++ b/pptx/badhon/badhon.pptx
@@ -7,6 +7,7 @@
   <p:sldIdLst>
     <p:sldId id="256" r:id="rId2"/>
     <p:sldId id="257" r:id="rId3"/>
+    <p:sldId id="258" r:id="rId4"/>
   </p:sldIdLst>
   <p:sldSz cx="12192000" cy="6858000"/>
   <p:notesSz cx="6858000" cy="9144000"/>
@@ -5437,13 +5438,13 @@
     <p:sldLayoutId id="2147484072" r:id="rId15"/>
     <p:sldLayoutId id="2147484073" r:id="rId16"/>
   </p:sldLayoutIdLst>
-  <mc:AlternateContent xmlns:mc="http://schemas.openxmlformats.org/markup-compatibility/2006" xmlns:p15="http://schemas.microsoft.com/office/powerpoint/2012/main">
-    <mc:Choice Requires="p15">
+  <mc:AlternateContent xmlns:mc="http://schemas.openxmlformats.org/markup-compatibility/2006">
+    <mc:Choice xmlns:p15="http://schemas.microsoft.com/office/powerpoint/2012/main" xmlns="" Requires="p15">
       <p:transition xmlns:p14="http://schemas.microsoft.com/office/powerpoint/2010/main" spd="slow" p14:dur="2000">
         <p15:prstTrans prst="drape"/>
       </p:transition>
     </mc:Choice>
-    <mc:Fallback xmlns="">
+    <mc:Fallback>
       <p:transition spd="slow">
         <p:fade/>
       </p:transition>
@@ -5870,7 +5871,7 @@
           <p:cNvPr id="2" name="Title 1">
             <a:extLst>
               <a:ext uri="{FF2B5EF4-FFF2-40B4-BE49-F238E27FC236}">
-                <a16:creationId xmlns:a16="http://schemas.microsoft.com/office/drawing/2014/main" id="{DFE78987-D970-CC6C-201F-D0934E8D2C06}"/>
+                <a16:creationId xmlns:a16="http://schemas.microsoft.com/office/drawing/2014/main" xmlns="" id="{DFE78987-D970-CC6C-201F-D0934E8D2C06}"/>
               </a:ext>
             </a:extLst>
           </p:cNvPr>
@@ -5883,7 +5884,7 @@
         </p:nvSpPr>
         <p:spPr>
           <a:xfrm>
-            <a:off x="552463" y="278550"/>
+            <a:off x="675502" y="782862"/>
             <a:ext cx="9607661" cy="2710521"/>
           </a:xfrm>
         </p:spPr>
@@ -5894,16 +5895,16 @@
           <a:lstStyle/>
           <a:p>
             <a:r>
-              <a:rPr lang="en-GB" sz="2400" i="1" u="sng" dirty="0">
+              <a:rPr lang="en-GB" sz="2400" i="1" dirty="0" smtClean="0">
                 <a:solidFill>
                   <a:schemeClr val="accent2"/>
                 </a:solidFill>
                 <a:latin typeface="Calibri" panose="020F0502020204030204" pitchFamily="34" charset="0"/>
               </a:rPr>
-              <a:t>A Presentation  on</a:t>
+              <a:t/>
             </a:r>
             <a:br>
-              <a:rPr lang="en-GB" sz="2400" i="1" u="sng" dirty="0">
+              <a:rPr lang="en-GB" sz="2400" i="1" dirty="0" smtClean="0">
                 <a:solidFill>
                   <a:schemeClr val="accent2"/>
                 </a:solidFill>
@@ -5911,7 +5912,7 @@
               </a:rPr>
             </a:br>
             <a:r>
-              <a:rPr lang="en-GB" sz="2400" i="1" u="sng" dirty="0">
+              <a:rPr lang="en-GB" sz="2400" i="1" dirty="0" smtClean="0">
                 <a:solidFill>
                   <a:schemeClr val="accent2"/>
                 </a:solidFill>
@@ -5920,7 +5921,7 @@
               <a:t/>
             </a:r>
             <a:br>
-              <a:rPr lang="en-GB" sz="2400" i="1" u="sng" dirty="0">
+              <a:rPr lang="en-GB" sz="2400" i="1" dirty="0" smtClean="0">
                 <a:solidFill>
                   <a:schemeClr val="accent2"/>
                 </a:solidFill>
@@ -5928,7 +5929,7 @@
               </a:rPr>
             </a:br>
             <a:r>
-              <a:rPr lang="en-GB" sz="2400" i="1" u="sng" dirty="0">
+              <a:rPr lang="en-GB" sz="2400" i="1" dirty="0" smtClean="0">
                 <a:solidFill>
                   <a:schemeClr val="accent2"/>
                 </a:solidFill>
@@ -5937,7 +5938,7 @@
               <a:t/>
             </a:r>
             <a:br>
-              <a:rPr lang="en-GB" sz="2400" i="1" u="sng" dirty="0">
+              <a:rPr lang="en-GB" sz="2400" i="1" dirty="0" smtClean="0">
                 <a:solidFill>
                   <a:schemeClr val="accent2"/>
                 </a:solidFill>
@@ -5945,7 +5946,7 @@
               </a:rPr>
             </a:br>
             <a:r>
-              <a:rPr lang="en-GB" sz="4800" i="1" u="sng" dirty="0">
+              <a:rPr lang="en-GB" sz="4800" i="1" dirty="0" smtClean="0">
                 <a:solidFill>
                   <a:schemeClr val="accent2"/>
                 </a:solidFill>
@@ -5953,7 +5954,7 @@
               </a:rPr>
               <a:t>Structured programming language </a:t>
             </a:r>
-            <a:endParaRPr lang="en-US" sz="4800" i="1" u="sng" dirty="0">
+            <a:endParaRPr lang="en-US" sz="4800" i="1" dirty="0">
               <a:solidFill>
                 <a:schemeClr val="accent2"/>
               </a:solidFill>
@@ -5967,7 +5968,7 @@
           <p:cNvPr id="5" name="Content Placeholder 4">
             <a:extLst>
               <a:ext uri="{FF2B5EF4-FFF2-40B4-BE49-F238E27FC236}">
-                <a16:creationId xmlns:a16="http://schemas.microsoft.com/office/drawing/2014/main" id="{E5FAB965-575D-3DC9-4318-BD380A4A53A5}"/>
+                <a16:creationId xmlns:a16="http://schemas.microsoft.com/office/drawing/2014/main" xmlns="" id="{E5FAB965-575D-3DC9-4318-BD380A4A53A5}"/>
               </a:ext>
             </a:extLst>
           </p:cNvPr>
@@ -5980,8 +5981,8 @@
         </p:nvSpPr>
         <p:spPr>
           <a:xfrm>
-            <a:off x="1193706" y="3498178"/>
-            <a:ext cx="4263961" cy="2978874"/>
+            <a:off x="1020712" y="3382848"/>
+            <a:ext cx="4062034" cy="2844957"/>
           </a:xfrm>
         </p:spPr>
         <p:txBody>
@@ -5992,13 +5993,10 @@
               <a:buNone/>
             </a:pPr>
             <a:r>
-              <a:rPr lang="en-GB" b="1" dirty="0" smtClean="0"/>
-              <a:t>Presented</a:t>
-            </a:r>
-            <a:r>
-              <a:rPr lang="en-GB" dirty="0" smtClean="0"/>
-              <a:t> By,</a:t>
-            </a:r>
+              <a:rPr lang="en-GB" sz="2400" b="1" dirty="0" smtClean="0"/>
+              <a:t>Presented By,</a:t>
+            </a:r>
+            <a:endParaRPr lang="en-GB" dirty="0" smtClean="0"/>
           </a:p>
           <a:p>
             <a:pPr marL="0" indent="0">
@@ -6057,7 +6055,7 @@
           <p:cNvPr id="7" name="Content Placeholder 6">
             <a:extLst>
               <a:ext uri="{FF2B5EF4-FFF2-40B4-BE49-F238E27FC236}">
-                <a16:creationId xmlns:a16="http://schemas.microsoft.com/office/drawing/2014/main" id="{DDD0CD5C-90B6-D272-A436-8EDEE28B5345}"/>
+                <a16:creationId xmlns:a16="http://schemas.microsoft.com/office/drawing/2014/main" xmlns="" id="{DDD0CD5C-90B6-D272-A436-8EDEE28B5345}"/>
               </a:ext>
             </a:extLst>
           </p:cNvPr>
@@ -6070,7 +6068,7 @@
         </p:nvSpPr>
         <p:spPr>
           <a:xfrm>
-            <a:off x="5117008" y="2989071"/>
+            <a:off x="5331192" y="3376249"/>
             <a:ext cx="4185617" cy="3304117"/>
           </a:xfrm>
         </p:spPr>
@@ -6084,16 +6082,21 @@
               <a:buNone/>
             </a:pPr>
             <a:r>
+              <a:rPr lang="en-GB" sz="2400" b="1" dirty="0" smtClean="0"/>
+              <a:t>Presented To,</a:t>
+            </a:r>
+          </a:p>
+          <a:p>
+            <a:pPr marL="0" indent="0">
+              <a:buNone/>
+            </a:pPr>
+            <a:r>
+              <a:rPr lang="en-GB" dirty="0" smtClean="0"/>
+              <a:t>MD</a:t>
+            </a:r>
+            <a:r>
               <a:rPr lang="en-GB" dirty="0"/>
-              <a:t>MD. </a:t>
-            </a:r>
-            <a:r>
-              <a:rPr lang="en-GB" dirty="0" err="1"/>
-              <a:t>Mizanur</a:t>
-            </a:r>
-            <a:r>
-              <a:rPr lang="en-GB" dirty="0"/>
-              <a:t> Rahman</a:t>
+              <a:t>. Mizanur Rahman</a:t>
             </a:r>
           </a:p>
           <a:p>
@@ -6119,20 +6122,8 @@
               <a:buNone/>
             </a:pPr>
             <a:r>
-              <a:rPr lang="en-GB" dirty="0" err="1"/>
-              <a:t>Ranada</a:t>
-            </a:r>
-            <a:r>
               <a:rPr lang="en-GB" dirty="0"/>
-              <a:t> Prasad </a:t>
-            </a:r>
-            <a:r>
-              <a:rPr lang="en-GB" dirty="0" err="1"/>
-              <a:t>Shaha</a:t>
-            </a:r>
-            <a:r>
-              <a:rPr lang="en-GB" dirty="0"/>
-              <a:t> University </a:t>
+              <a:t>Ranada Prasad Shaha University </a:t>
             </a:r>
           </a:p>
         </p:txBody>
@@ -6142,7 +6133,7 @@
           <p:cNvPr id="8" name="TextBox 7">
             <a:extLst>
               <a:ext uri="{FF2B5EF4-FFF2-40B4-BE49-F238E27FC236}">
-                <a16:creationId xmlns:a16="http://schemas.microsoft.com/office/drawing/2014/main" id="{F98087BF-B821-11E9-B9DF-4CC8A5517488}"/>
+                <a16:creationId xmlns:a16="http://schemas.microsoft.com/office/drawing/2014/main" xmlns="" id="{F98087BF-B821-11E9-B9DF-4CC8A5517488}"/>
               </a:ext>
             </a:extLst>
           </p:cNvPr>
@@ -6151,7 +6142,7 @@
         </p:nvSpPr>
         <p:spPr>
           <a:xfrm flipH="1" flipV="1">
-            <a:off x="7209816" y="2138123"/>
+            <a:off x="7332855" y="2642435"/>
             <a:ext cx="2673676" cy="45719"/>
           </a:xfrm>
           <a:prstGeom prst="rect">
@@ -6167,6 +6158,41 @@
           <a:p>
             <a:pPr algn="l"/>
             <a:endParaRPr lang="en-US" sz="2400" b="1"/>
+          </a:p>
+        </p:txBody>
+      </p:sp>
+      <p:sp>
+        <p:nvSpPr>
+          <p:cNvPr id="3" name="TextBox 2"/>
+          <p:cNvSpPr txBox="1"/>
+          <p:nvPr/>
+        </p:nvSpPr>
+        <p:spPr>
+          <a:xfrm>
+            <a:off x="815017" y="1671170"/>
+            <a:ext cx="1709122" cy="338554"/>
+          </a:xfrm>
+          <a:prstGeom prst="rect">
+            <a:avLst/>
+          </a:prstGeom>
+          <a:noFill/>
+        </p:spPr>
+        <p:txBody>
+          <a:bodyPr wrap="none" rtlCol="0">
+            <a:spAutoFit/>
+          </a:bodyPr>
+          <a:lstStyle/>
+          <a:p>
+            <a:r>
+              <a:rPr lang="en-GB" sz="1600" i="1" dirty="0" smtClean="0">
+                <a:solidFill>
+                  <a:schemeClr val="accent2"/>
+                </a:solidFill>
+                <a:latin typeface="Calibri" panose="020F0502020204030204" pitchFamily="34" charset="0"/>
+              </a:rPr>
+              <a:t>A Presentation  on</a:t>
+            </a:r>
+            <a:endParaRPr lang="en-US" sz="1600" dirty="0"/>
           </a:p>
         </p:txBody>
       </p:sp>
@@ -6180,13 +6206,13 @@
   <p:clrMapOvr>
     <a:masterClrMapping/>
   </p:clrMapOvr>
-  <mc:AlternateContent xmlns:mc="http://schemas.openxmlformats.org/markup-compatibility/2006" xmlns:p15="http://schemas.microsoft.com/office/powerpoint/2012/main">
-    <mc:Choice Requires="p15">
+  <mc:AlternateContent xmlns:mc="http://schemas.openxmlformats.org/markup-compatibility/2006">
+    <mc:Choice xmlns:p15="http://schemas.microsoft.com/office/powerpoint/2012/main" xmlns="" Requires="p15">
       <p:transition xmlns:p14="http://schemas.microsoft.com/office/powerpoint/2010/main" spd="slow" p14:dur="2000">
         <p15:prstTrans prst="drape"/>
       </p:transition>
     </mc:Choice>
-    <mc:Fallback xmlns="">
+    <mc:Fallback>
       <p:transition spd="slow">
         <p:fade/>
       </p:transition>
@@ -6217,7 +6243,7 @@
           <p:cNvPr id="2" name="Title 1">
             <a:extLst>
               <a:ext uri="{FF2B5EF4-FFF2-40B4-BE49-F238E27FC236}">
-                <a16:creationId xmlns:a16="http://schemas.microsoft.com/office/drawing/2014/main" id="{CA1A5B0B-1A0B-3CA3-5B39-BF1AA6794A9C}"/>
+                <a16:creationId xmlns:a16="http://schemas.microsoft.com/office/drawing/2014/main" xmlns="" id="{CA1A5B0B-1A0B-3CA3-5B39-BF1AA6794A9C}"/>
               </a:ext>
             </a:extLst>
           </p:cNvPr>
@@ -6234,117 +6260,13 @@
           <a:lstStyle/>
           <a:p>
             <a:r>
-              <a:rPr lang="en-GB"/>
+              <a:rPr lang="en-GB" dirty="0"/>
               <a:t>                        Introduction</a:t>
             </a:r>
             <a:br>
-              <a:rPr lang="en-GB"/>
+              <a:rPr lang="en-GB" dirty="0"/>
             </a:br>
-            <a:r>
-              <a:rPr lang="en-GB"/>
-              <a:t>Presenting a </a:t>
-            </a:r>
-            <a:endParaRPr lang="en-US"/>
-          </a:p>
-        </p:txBody>
-      </p:sp>
-      <p:sp>
-        <p:nvSpPr>
-          <p:cNvPr id="3" name="Text Placeholder 2">
-            <a:extLst>
-              <a:ext uri="{FF2B5EF4-FFF2-40B4-BE49-F238E27FC236}">
-                <a16:creationId xmlns:a16="http://schemas.microsoft.com/office/drawing/2014/main" id="{CBE287E7-088B-2336-2E18-48695F230B8D}"/>
-              </a:ext>
-            </a:extLst>
-          </p:cNvPr>
-          <p:cNvSpPr>
-            <a:spLocks noGrp="1"/>
-          </p:cNvSpPr>
-          <p:nvPr>
-            <p:ph type="body" idx="1"/>
-          </p:nvPr>
-        </p:nvSpPr>
-        <p:spPr/>
-        <p:txBody>
-          <a:bodyPr/>
-          <a:lstStyle/>
-          <a:p>
-            <a:endParaRPr lang="en-US"/>
-          </a:p>
-        </p:txBody>
-      </p:sp>
-      <p:sp>
-        <p:nvSpPr>
-          <p:cNvPr id="4" name="Content Placeholder 3">
-            <a:extLst>
-              <a:ext uri="{FF2B5EF4-FFF2-40B4-BE49-F238E27FC236}">
-                <a16:creationId xmlns:a16="http://schemas.microsoft.com/office/drawing/2014/main" id="{AD5DC6FE-016F-4F85-F142-4DD96DF0196F}"/>
-              </a:ext>
-            </a:extLst>
-          </p:cNvPr>
-          <p:cNvSpPr>
-            <a:spLocks noGrp="1"/>
-          </p:cNvSpPr>
-          <p:nvPr>
-            <p:ph sz="half" idx="2"/>
-          </p:nvPr>
-        </p:nvSpPr>
-        <p:spPr/>
-        <p:txBody>
-          <a:bodyPr/>
-          <a:lstStyle/>
-          <a:p>
-            <a:endParaRPr lang="en-US"/>
-          </a:p>
-        </p:txBody>
-      </p:sp>
-      <p:sp>
-        <p:nvSpPr>
-          <p:cNvPr id="5" name="Text Placeholder 4">
-            <a:extLst>
-              <a:ext uri="{FF2B5EF4-FFF2-40B4-BE49-F238E27FC236}">
-                <a16:creationId xmlns:a16="http://schemas.microsoft.com/office/drawing/2014/main" id="{ABF57308-D99E-6D6D-DDC4-6A2F33936452}"/>
-              </a:ext>
-            </a:extLst>
-          </p:cNvPr>
-          <p:cNvSpPr>
-            <a:spLocks noGrp="1"/>
-          </p:cNvSpPr>
-          <p:nvPr>
-            <p:ph type="body" sz="quarter" idx="3"/>
-          </p:nvPr>
-        </p:nvSpPr>
-        <p:spPr/>
-        <p:txBody>
-          <a:bodyPr/>
-          <a:lstStyle/>
-          <a:p>
-            <a:endParaRPr lang="en-US"/>
-          </a:p>
-        </p:txBody>
-      </p:sp>
-      <p:sp>
-        <p:nvSpPr>
-          <p:cNvPr id="6" name="Content Placeholder 5">
-            <a:extLst>
-              <a:ext uri="{FF2B5EF4-FFF2-40B4-BE49-F238E27FC236}">
-                <a16:creationId xmlns:a16="http://schemas.microsoft.com/office/drawing/2014/main" id="{736C2954-AE18-50D9-5E93-72E45BF3822D}"/>
-              </a:ext>
-            </a:extLst>
-          </p:cNvPr>
-          <p:cNvSpPr>
-            <a:spLocks noGrp="1"/>
-          </p:cNvSpPr>
-          <p:nvPr>
-            <p:ph sz="quarter" idx="4"/>
-          </p:nvPr>
-        </p:nvSpPr>
-        <p:spPr/>
-        <p:txBody>
-          <a:bodyPr/>
-          <a:lstStyle/>
-          <a:p>
-            <a:endParaRPr lang="en-US"/>
+            <a:endParaRPr lang="en-US" dirty="0"/>
           </a:p>
         </p:txBody>
       </p:sp>
@@ -6358,18 +6280,86 @@
   <p:clrMapOvr>
     <a:masterClrMapping/>
   </p:clrMapOvr>
-  <mc:AlternateContent xmlns:mc="http://schemas.openxmlformats.org/markup-compatibility/2006" xmlns:p15="http://schemas.microsoft.com/office/powerpoint/2012/main">
-    <mc:Choice Requires="p15">
+  <mc:AlternateContent xmlns:mc="http://schemas.openxmlformats.org/markup-compatibility/2006">
+    <mc:Choice xmlns:p15="http://schemas.microsoft.com/office/powerpoint/2012/main" xmlns="" Requires="p15">
       <p:transition xmlns:p14="http://schemas.microsoft.com/office/powerpoint/2010/main" spd="slow" p14:dur="2000">
         <p15:prstTrans prst="drape"/>
       </p:transition>
     </mc:Choice>
-    <mc:Fallback xmlns="">
+    <mc:Fallback>
       <p:transition spd="slow">
         <p:fade/>
       </p:transition>
     </mc:Fallback>
   </mc:AlternateContent>
+</p:sld>
+</file>
+
+<file path=ppt/slides/slide3.xml><?xml version="1.0" encoding="utf-8"?>
+<p:sld xmlns:a="http://schemas.openxmlformats.org/drawingml/2006/main" xmlns:r="http://schemas.openxmlformats.org/officeDocument/2006/relationships" xmlns:p="http://schemas.openxmlformats.org/presentationml/2006/main">
+  <p:cSld>
+    <p:spTree>
+      <p:nvGrpSpPr>
+        <p:cNvPr id="1" name=""/>
+        <p:cNvGrpSpPr/>
+        <p:nvPr/>
+      </p:nvGrpSpPr>
+      <p:grpSpPr>
+        <a:xfrm>
+          <a:off x="0" y="0"/>
+          <a:ext cx="0" cy="0"/>
+          <a:chOff x="0" y="0"/>
+          <a:chExt cx="0" cy="0"/>
+        </a:xfrm>
+      </p:grpSpPr>
+      <p:sp>
+        <p:nvSpPr>
+          <p:cNvPr id="2" name="Title 1"/>
+          <p:cNvSpPr>
+            <a:spLocks noGrp="1"/>
+          </p:cNvSpPr>
+          <p:nvPr>
+            <p:ph type="ctrTitle"/>
+          </p:nvPr>
+        </p:nvSpPr>
+        <p:spPr/>
+        <p:txBody>
+          <a:bodyPr/>
+          <a:lstStyle/>
+          <a:p>
+            <a:endParaRPr lang="en-US" dirty="0"/>
+          </a:p>
+        </p:txBody>
+      </p:sp>
+      <p:sp>
+        <p:nvSpPr>
+          <p:cNvPr id="3" name="Subtitle 2"/>
+          <p:cNvSpPr>
+            <a:spLocks noGrp="1"/>
+          </p:cNvSpPr>
+          <p:nvPr>
+            <p:ph type="subTitle" idx="1"/>
+          </p:nvPr>
+        </p:nvSpPr>
+        <p:spPr/>
+        <p:txBody>
+          <a:bodyPr/>
+          <a:lstStyle/>
+          <a:p>
+            <a:endParaRPr lang="en-US"/>
+          </a:p>
+        </p:txBody>
+      </p:sp>
+    </p:spTree>
+    <p:extLst>
+      <p:ext uri="{BB962C8B-B14F-4D97-AF65-F5344CB8AC3E}">
+        <p14:creationId xmlns:p14="http://schemas.microsoft.com/office/powerpoint/2010/main" val="2053085854"/>
+      </p:ext>
+    </p:extLst>
+  </p:cSld>
+  <p:clrMapOvr>
+    <a:masterClrMapping/>
+  </p:clrMapOvr>
 </p:sld>
 </file>
 
@@ -6624,7 +6614,7 @@
   <a:extraClrSchemeLst/>
   <a:extLst>
     <a:ext uri="{05A4C25C-085E-4340-85A3-A5531E510DB2}">
-      <thm15:themeFamily xmlns:thm15="http://schemas.microsoft.com/office/thememl/2012/main" name="Facet" id="{C0C680CD-088A-49FC-A102-D699147F32B2}" vid="{CFBC31BA-B70F-4F30-BCAA-4F3011E16C4D}"/>
+      <thm15:themeFamily xmlns:thm15="http://schemas.microsoft.com/office/thememl/2012/main" xmlns="" name="Facet" id="{C0C680CD-088A-49FC-A102-D699147F32B2}" vid="{CFBC31BA-B70F-4F30-BCAA-4F3011E16C4D}"/>
     </a:ext>
   </a:extLst>
 </a:theme>

--- a/pptx/badhon/badhon.pptx
+++ b/pptx/badhon/badhon.pptx
@@ -8,6 +8,10 @@
     <p:sldId id="256" r:id="rId2"/>
     <p:sldId id="257" r:id="rId3"/>
     <p:sldId id="258" r:id="rId4"/>
+    <p:sldId id="259" r:id="rId5"/>
+    <p:sldId id="260" r:id="rId6"/>
+    <p:sldId id="261" r:id="rId7"/>
+    <p:sldId id="262" r:id="rId8"/>
   </p:sldIdLst>
   <p:sldSz cx="12192000" cy="6858000"/>
   <p:notesSz cx="6858000" cy="9144000"/>
@@ -5439,7 +5443,7 @@
     <p:sldLayoutId id="2147484073" r:id="rId16"/>
   </p:sldLayoutIdLst>
   <mc:AlternateContent xmlns:mc="http://schemas.openxmlformats.org/markup-compatibility/2006">
-    <mc:Choice xmlns:p15="http://schemas.microsoft.com/office/powerpoint/2012/main" xmlns="" Requires="p15">
+    <mc:Choice xmlns="" xmlns:p15="http://schemas.microsoft.com/office/powerpoint/2012/main" Requires="p15">
       <p:transition xmlns:p14="http://schemas.microsoft.com/office/powerpoint/2010/main" spd="slow" p14:dur="2000">
         <p15:prstTrans prst="drape"/>
       </p:transition>
@@ -5871,7 +5875,7 @@
           <p:cNvPr id="2" name="Title 1">
             <a:extLst>
               <a:ext uri="{FF2B5EF4-FFF2-40B4-BE49-F238E27FC236}">
-                <a16:creationId xmlns:a16="http://schemas.microsoft.com/office/drawing/2014/main" xmlns="" id="{DFE78987-D970-CC6C-201F-D0934E8D2C06}"/>
+                <a16:creationId xmlns="" xmlns:a16="http://schemas.microsoft.com/office/drawing/2014/main" id="{DFE78987-D970-CC6C-201F-D0934E8D2C06}"/>
               </a:ext>
             </a:extLst>
           </p:cNvPr>
@@ -5895,7 +5899,7 @@
           <a:lstStyle/>
           <a:p>
             <a:r>
-              <a:rPr lang="en-GB" sz="2400" i="1" dirty="0" smtClean="0">
+              <a:rPr lang="en-GB" sz="2400" b="1" i="1" dirty="0" smtClean="0">
                 <a:solidFill>
                   <a:schemeClr val="accent2"/>
                 </a:solidFill>
@@ -5904,7 +5908,7 @@
               <a:t/>
             </a:r>
             <a:br>
-              <a:rPr lang="en-GB" sz="2400" i="1" dirty="0" smtClean="0">
+              <a:rPr lang="en-GB" sz="2400" b="1" i="1" dirty="0" smtClean="0">
                 <a:solidFill>
                   <a:schemeClr val="accent2"/>
                 </a:solidFill>
@@ -5912,7 +5916,7 @@
               </a:rPr>
             </a:br>
             <a:r>
-              <a:rPr lang="en-GB" sz="2400" i="1" dirty="0" smtClean="0">
+              <a:rPr lang="en-GB" sz="2400" b="1" i="1" dirty="0" smtClean="0">
                 <a:solidFill>
                   <a:schemeClr val="accent2"/>
                 </a:solidFill>
@@ -5921,7 +5925,7 @@
               <a:t/>
             </a:r>
             <a:br>
-              <a:rPr lang="en-GB" sz="2400" i="1" dirty="0" smtClean="0">
+              <a:rPr lang="en-GB" sz="2400" b="1" i="1" dirty="0" smtClean="0">
                 <a:solidFill>
                   <a:schemeClr val="accent2"/>
                 </a:solidFill>
@@ -5929,7 +5933,7 @@
               </a:rPr>
             </a:br>
             <a:r>
-              <a:rPr lang="en-GB" sz="2400" i="1" dirty="0" smtClean="0">
+              <a:rPr lang="en-GB" sz="2400" b="1" i="1" dirty="0" smtClean="0">
                 <a:solidFill>
                   <a:schemeClr val="accent2"/>
                 </a:solidFill>
@@ -5938,7 +5942,7 @@
               <a:t/>
             </a:r>
             <a:br>
-              <a:rPr lang="en-GB" sz="2400" i="1" dirty="0" smtClean="0">
+              <a:rPr lang="en-GB" sz="2400" b="1" i="1" dirty="0" smtClean="0">
                 <a:solidFill>
                   <a:schemeClr val="accent2"/>
                 </a:solidFill>
@@ -5946,7 +5950,7 @@
               </a:rPr>
             </a:br>
             <a:r>
-              <a:rPr lang="en-GB" sz="4800" i="1" dirty="0" smtClean="0">
+              <a:rPr lang="en-GB" sz="4800" b="1" i="1" dirty="0" smtClean="0">
                 <a:solidFill>
                   <a:schemeClr val="accent2"/>
                 </a:solidFill>
@@ -5954,7 +5958,7 @@
               </a:rPr>
               <a:t>Structured programming language </a:t>
             </a:r>
-            <a:endParaRPr lang="en-US" sz="4800" i="1" dirty="0">
+            <a:endParaRPr lang="en-US" sz="4800" b="1" i="1" dirty="0">
               <a:solidFill>
                 <a:schemeClr val="accent2"/>
               </a:solidFill>
@@ -5968,7 +5972,7 @@
           <p:cNvPr id="5" name="Content Placeholder 4">
             <a:extLst>
               <a:ext uri="{FF2B5EF4-FFF2-40B4-BE49-F238E27FC236}">
-                <a16:creationId xmlns:a16="http://schemas.microsoft.com/office/drawing/2014/main" xmlns="" id="{E5FAB965-575D-3DC9-4318-BD380A4A53A5}"/>
+                <a16:creationId xmlns="" xmlns:a16="http://schemas.microsoft.com/office/drawing/2014/main" id="{E5FAB965-575D-3DC9-4318-BD380A4A53A5}"/>
               </a:ext>
             </a:extLst>
           </p:cNvPr>
@@ -6055,7 +6059,7 @@
           <p:cNvPr id="7" name="Content Placeholder 6">
             <a:extLst>
               <a:ext uri="{FF2B5EF4-FFF2-40B4-BE49-F238E27FC236}">
-                <a16:creationId xmlns:a16="http://schemas.microsoft.com/office/drawing/2014/main" xmlns="" id="{DDD0CD5C-90B6-D272-A436-8EDEE28B5345}"/>
+                <a16:creationId xmlns="" xmlns:a16="http://schemas.microsoft.com/office/drawing/2014/main" id="{DDD0CD5C-90B6-D272-A436-8EDEE28B5345}"/>
               </a:ext>
             </a:extLst>
           </p:cNvPr>
@@ -6133,7 +6137,7 @@
           <p:cNvPr id="8" name="TextBox 7">
             <a:extLst>
               <a:ext uri="{FF2B5EF4-FFF2-40B4-BE49-F238E27FC236}">
-                <a16:creationId xmlns:a16="http://schemas.microsoft.com/office/drawing/2014/main" xmlns="" id="{F98087BF-B821-11E9-B9DF-4CC8A5517488}"/>
+                <a16:creationId xmlns="" xmlns:a16="http://schemas.microsoft.com/office/drawing/2014/main" id="{F98087BF-B821-11E9-B9DF-4CC8A5517488}"/>
               </a:ext>
             </a:extLst>
           </p:cNvPr>
@@ -6170,7 +6174,7 @@
         <p:spPr>
           <a:xfrm>
             <a:off x="815017" y="1671170"/>
-            <a:ext cx="1709122" cy="338554"/>
+            <a:ext cx="1752852" cy="338554"/>
           </a:xfrm>
           <a:prstGeom prst="rect">
             <a:avLst/>
@@ -6207,7 +6211,7 @@
     <a:masterClrMapping/>
   </p:clrMapOvr>
   <mc:AlternateContent xmlns:mc="http://schemas.openxmlformats.org/markup-compatibility/2006">
-    <mc:Choice xmlns:p15="http://schemas.microsoft.com/office/powerpoint/2012/main" xmlns="" Requires="p15">
+    <mc:Choice xmlns="" xmlns:p15="http://schemas.microsoft.com/office/powerpoint/2012/main" Requires="p15">
       <p:transition xmlns:p14="http://schemas.microsoft.com/office/powerpoint/2010/main" spd="slow" p14:dur="2000">
         <p15:prstTrans prst="drape"/>
       </p:transition>
@@ -6218,6 +6222,13 @@
       </p:transition>
     </mc:Fallback>
   </mc:AlternateContent>
+  <p:timing>
+    <p:tnLst>
+      <p:par>
+        <p:cTn id="1" dur="indefinite" restart="never" nodeType="tmRoot"/>
+      </p:par>
+    </p:tnLst>
+  </p:timing>
 </p:sld>
 </file>
 
@@ -6243,7 +6254,7 @@
           <p:cNvPr id="2" name="Title 1">
             <a:extLst>
               <a:ext uri="{FF2B5EF4-FFF2-40B4-BE49-F238E27FC236}">
-                <a16:creationId xmlns:a16="http://schemas.microsoft.com/office/drawing/2014/main" xmlns="" id="{CA1A5B0B-1A0B-3CA3-5B39-BF1AA6794A9C}"/>
+                <a16:creationId xmlns="" xmlns:a16="http://schemas.microsoft.com/office/drawing/2014/main" id="{CA1A5B0B-1A0B-3CA3-5B39-BF1AA6794A9C}"/>
               </a:ext>
             </a:extLst>
           </p:cNvPr>
@@ -6266,6 +6277,123 @@
             <a:br>
               <a:rPr lang="en-GB" dirty="0"/>
             </a:br>
+            <a:endParaRPr lang="en-US" dirty="0"/>
+          </a:p>
+        </p:txBody>
+      </p:sp>
+      <p:sp>
+        <p:nvSpPr>
+          <p:cNvPr id="3" name="Title 1">
+            <a:extLst>
+              <a:ext uri="{FF2B5EF4-FFF2-40B4-BE49-F238E27FC236}">
+                <a16:creationId xmlns="" xmlns:a16="http://schemas.microsoft.com/office/drawing/2014/main" id="{CA1A5B0B-1A0B-3CA3-5B39-BF1AA6794A9C}"/>
+              </a:ext>
+            </a:extLst>
+          </p:cNvPr>
+          <p:cNvSpPr txBox="1">
+            <a:spLocks/>
+          </p:cNvSpPr>
+          <p:nvPr/>
+        </p:nvSpPr>
+        <p:spPr>
+          <a:xfrm>
+            <a:off x="1286934" y="2767914"/>
+            <a:ext cx="8532568" cy="2323070"/>
+          </a:xfrm>
+          <a:prstGeom prst="rect">
+            <a:avLst/>
+          </a:prstGeom>
+        </p:spPr>
+        <p:txBody>
+          <a:bodyPr vert="horz" lIns="91440" tIns="45720" rIns="91440" bIns="45720" rtlCol="0" anchor="t">
+            <a:normAutofit/>
+          </a:bodyPr>
+          <a:lstStyle>
+            <a:lvl1pPr algn="l" defTabSz="457200" rtl="0" eaLnBrk="1" latinLnBrk="0" hangingPunct="1">
+              <a:spcBef>
+                <a:spcPct val="0"/>
+              </a:spcBef>
+              <a:buNone/>
+              <a:defRPr sz="3600" kern="1200">
+                <a:solidFill>
+                  <a:schemeClr val="accent1"/>
+                </a:solidFill>
+                <a:latin typeface="+mj-lt"/>
+                <a:ea typeface="+mj-ea"/>
+                <a:cs typeface="+mj-cs"/>
+              </a:defRPr>
+            </a:lvl1pPr>
+            <a:lvl2pPr eaLnBrk="1" hangingPunct="1">
+              <a:defRPr>
+                <a:solidFill>
+                  <a:schemeClr val="tx2"/>
+                </a:solidFill>
+              </a:defRPr>
+            </a:lvl2pPr>
+            <a:lvl3pPr eaLnBrk="1" hangingPunct="1">
+              <a:defRPr>
+                <a:solidFill>
+                  <a:schemeClr val="tx2"/>
+                </a:solidFill>
+              </a:defRPr>
+            </a:lvl3pPr>
+            <a:lvl4pPr eaLnBrk="1" hangingPunct="1">
+              <a:defRPr>
+                <a:solidFill>
+                  <a:schemeClr val="tx2"/>
+                </a:solidFill>
+              </a:defRPr>
+            </a:lvl4pPr>
+            <a:lvl5pPr eaLnBrk="1" hangingPunct="1">
+              <a:defRPr>
+                <a:solidFill>
+                  <a:schemeClr val="tx2"/>
+                </a:solidFill>
+              </a:defRPr>
+            </a:lvl5pPr>
+            <a:lvl6pPr eaLnBrk="1" hangingPunct="1">
+              <a:defRPr>
+                <a:solidFill>
+                  <a:schemeClr val="tx2"/>
+                </a:solidFill>
+              </a:defRPr>
+            </a:lvl6pPr>
+            <a:lvl7pPr eaLnBrk="1" hangingPunct="1">
+              <a:defRPr>
+                <a:solidFill>
+                  <a:schemeClr val="tx2"/>
+                </a:solidFill>
+              </a:defRPr>
+            </a:lvl7pPr>
+            <a:lvl8pPr eaLnBrk="1" hangingPunct="1">
+              <a:defRPr>
+                <a:solidFill>
+                  <a:schemeClr val="tx2"/>
+                </a:solidFill>
+              </a:defRPr>
+            </a:lvl8pPr>
+            <a:lvl9pPr eaLnBrk="1" hangingPunct="1">
+              <a:defRPr>
+                <a:solidFill>
+                  <a:schemeClr val="tx2"/>
+                </a:solidFill>
+              </a:defRPr>
+            </a:lvl9pPr>
+          </a:lstStyle>
+          <a:p>
+            <a:pPr algn="ctr"/>
+            <a:r>
+              <a:rPr lang="en-US" dirty="0"/>
+              <a:t>Presenting </a:t>
+            </a:r>
+            <a:r>
+              <a:rPr lang="en-US" dirty="0" smtClean="0"/>
+              <a:t>a </a:t>
+            </a:r>
+            <a:r>
+              <a:rPr lang="en-US" dirty="0"/>
+              <a:t>C program that finds the Sum and Average of three integers</a:t>
+            </a:r>
             <a:endParaRPr lang="en-US" dirty="0"/>
           </a:p>
         </p:txBody>
@@ -6281,7 +6409,7 @@
     <a:masterClrMapping/>
   </p:clrMapOvr>
   <mc:AlternateContent xmlns:mc="http://schemas.openxmlformats.org/markup-compatibility/2006">
-    <mc:Choice xmlns:p15="http://schemas.microsoft.com/office/powerpoint/2012/main" xmlns="" Requires="p15">
+    <mc:Choice xmlns="" xmlns:p15="http://schemas.microsoft.com/office/powerpoint/2012/main" Requires="p15">
       <p:transition xmlns:p14="http://schemas.microsoft.com/office/powerpoint/2010/main" spd="slow" p14:dur="2000">
         <p15:prstTrans prst="drape"/>
       </p:transition>
@@ -6292,6 +6420,13 @@
       </p:transition>
     </mc:Fallback>
   </mc:AlternateContent>
+  <p:timing>
+    <p:tnLst>
+      <p:par>
+        <p:cTn id="1" dur="indefinite" restart="never" nodeType="tmRoot"/>
+      </p:par>
+    </p:tnLst>
+  </p:timing>
 </p:sld>
 </file>
 
@@ -6322,31 +6457,214 @@
             <p:ph type="ctrTitle"/>
           </p:nvPr>
         </p:nvSpPr>
-        <p:spPr/>
+        <p:spPr>
+          <a:xfrm>
+            <a:off x="1309359" y="337751"/>
+            <a:ext cx="7766936" cy="903982"/>
+          </a:xfrm>
+        </p:spPr>
         <p:txBody>
           <a:bodyPr/>
           <a:lstStyle/>
           <a:p>
-            <a:endParaRPr lang="en-US" dirty="0"/>
-          </a:p>
-        </p:txBody>
-      </p:sp>
-      <p:sp>
-        <p:nvSpPr>
-          <p:cNvPr id="3" name="Subtitle 2"/>
-          <p:cNvSpPr>
-            <a:spLocks noGrp="1"/>
-          </p:cNvSpPr>
-          <p:nvPr>
-            <p:ph type="subTitle" idx="1"/>
-          </p:nvPr>
-        </p:nvSpPr>
-        <p:spPr/>
-        <p:txBody>
-          <a:bodyPr/>
-          <a:lstStyle/>
-          <a:p>
-            <a:endParaRPr lang="en-US"/>
+            <a:pPr algn="ctr"/>
+            <a:r>
+              <a:rPr lang="en-US" b="1" dirty="0"/>
+              <a:t>Algorithm</a:t>
+            </a:r>
+            <a:endParaRPr lang="en-US" b="1" dirty="0"/>
+          </a:p>
+        </p:txBody>
+      </p:sp>
+      <p:sp>
+        <p:nvSpPr>
+          <p:cNvPr id="4" name="TextBox 3"/>
+          <p:cNvSpPr txBox="1"/>
+          <p:nvPr/>
+        </p:nvSpPr>
+        <p:spPr>
+          <a:xfrm>
+            <a:off x="2067698" y="2075935"/>
+            <a:ext cx="6598507" cy="3108543"/>
+          </a:xfrm>
+          <a:prstGeom prst="rect">
+            <a:avLst/>
+          </a:prstGeom>
+          <a:noFill/>
+        </p:spPr>
+        <p:txBody>
+          <a:bodyPr wrap="square" rtlCol="0">
+            <a:spAutoFit/>
+          </a:bodyPr>
+          <a:lstStyle/>
+          <a:p>
+            <a:r>
+              <a:rPr lang="en-US" sz="2800" dirty="0">
+                <a:solidFill>
+                  <a:schemeClr val="accent1"/>
+                </a:solidFill>
+              </a:rPr>
+              <a:t>Step 1: </a:t>
+            </a:r>
+            <a:r>
+              <a:rPr lang="en-US" sz="2800" dirty="0" smtClean="0">
+                <a:solidFill>
+                  <a:schemeClr val="accent1"/>
+                </a:solidFill>
+              </a:rPr>
+              <a:t>Start</a:t>
+            </a:r>
+            <a:r>
+              <a:rPr lang="en-US" sz="2800" dirty="0">
+                <a:solidFill>
+                  <a:schemeClr val="accent1"/>
+                </a:solidFill>
+              </a:rPr>
+              <a:t/>
+            </a:r>
+            <a:br>
+              <a:rPr lang="en-US" sz="2800" dirty="0">
+                <a:solidFill>
+                  <a:schemeClr val="accent1"/>
+                </a:solidFill>
+              </a:rPr>
+            </a:br>
+            <a:r>
+              <a:rPr lang="en-US" sz="2800" dirty="0">
+                <a:solidFill>
+                  <a:schemeClr val="accent1"/>
+                </a:solidFill>
+              </a:rPr>
+              <a:t>Step 2: Input a,b,c</a:t>
+            </a:r>
+            <a:r>
+              <a:rPr lang="en-US" sz="2800" dirty="0">
+                <a:solidFill>
+                  <a:schemeClr val="accent1"/>
+                </a:solidFill>
+              </a:rPr>
+              <a:t/>
+            </a:r>
+            <a:br>
+              <a:rPr lang="en-US" sz="2800" dirty="0">
+                <a:solidFill>
+                  <a:schemeClr val="accent1"/>
+                </a:solidFill>
+              </a:rPr>
+            </a:br>
+            <a:r>
+              <a:rPr lang="en-US" sz="2800" dirty="0">
+                <a:solidFill>
+                  <a:schemeClr val="accent1"/>
+                </a:solidFill>
+              </a:rPr>
+              <a:t>Step 3: Calculate Sum</a:t>
+            </a:r>
+            <a:r>
+              <a:rPr lang="en-US" sz="2800" dirty="0" smtClean="0">
+                <a:solidFill>
+                  <a:schemeClr val="accent1"/>
+                </a:solidFill>
+              </a:rPr>
+              <a:t>= a+b+c</a:t>
+            </a:r>
+            <a:r>
+              <a:rPr lang="en-US" sz="2800" dirty="0">
+                <a:solidFill>
+                  <a:schemeClr val="accent1"/>
+                </a:solidFill>
+              </a:rPr>
+              <a:t/>
+            </a:r>
+            <a:br>
+              <a:rPr lang="en-US" sz="2800" dirty="0">
+                <a:solidFill>
+                  <a:schemeClr val="accent1"/>
+                </a:solidFill>
+              </a:rPr>
+            </a:br>
+            <a:r>
+              <a:rPr lang="en-US" sz="2800" dirty="0">
+                <a:solidFill>
+                  <a:schemeClr val="accent1"/>
+                </a:solidFill>
+              </a:rPr>
+              <a:t>Step 4: Show the Sum</a:t>
+            </a:r>
+            <a:r>
+              <a:rPr lang="en-US" sz="2800" dirty="0">
+                <a:solidFill>
+                  <a:schemeClr val="accent1"/>
+                </a:solidFill>
+              </a:rPr>
+              <a:t/>
+            </a:r>
+            <a:br>
+              <a:rPr lang="en-US" sz="2800" dirty="0">
+                <a:solidFill>
+                  <a:schemeClr val="accent1"/>
+                </a:solidFill>
+              </a:rPr>
+            </a:br>
+            <a:r>
+              <a:rPr lang="en-US" sz="2800" dirty="0">
+                <a:solidFill>
+                  <a:schemeClr val="accent1"/>
+                </a:solidFill>
+              </a:rPr>
+              <a:t>Step 5: Calculate Average=Sum/3.0</a:t>
+            </a:r>
+            <a:r>
+              <a:rPr lang="en-US" sz="2800" dirty="0">
+                <a:solidFill>
+                  <a:schemeClr val="accent1"/>
+                </a:solidFill>
+              </a:rPr>
+              <a:t/>
+            </a:r>
+            <a:br>
+              <a:rPr lang="en-US" sz="2800" dirty="0">
+                <a:solidFill>
+                  <a:schemeClr val="accent1"/>
+                </a:solidFill>
+              </a:rPr>
+            </a:br>
+            <a:r>
+              <a:rPr lang="en-US" sz="2800" dirty="0">
+                <a:solidFill>
+                  <a:schemeClr val="accent1"/>
+                </a:solidFill>
+              </a:rPr>
+              <a:t>Step 6: Show the Average</a:t>
+            </a:r>
+            <a:r>
+              <a:rPr lang="en-US" sz="2800" dirty="0">
+                <a:solidFill>
+                  <a:schemeClr val="accent1"/>
+                </a:solidFill>
+              </a:rPr>
+              <a:t/>
+            </a:r>
+            <a:br>
+              <a:rPr lang="en-US" sz="2800" dirty="0">
+                <a:solidFill>
+                  <a:schemeClr val="accent1"/>
+                </a:solidFill>
+              </a:rPr>
+            </a:br>
+            <a:r>
+              <a:rPr lang="en-US" sz="2800" dirty="0">
+                <a:solidFill>
+                  <a:schemeClr val="accent1"/>
+                </a:solidFill>
+              </a:rPr>
+              <a:t>Step 7: End</a:t>
+            </a:r>
+            <a:endParaRPr lang="en-US" sz="2800" dirty="0">
+              <a:solidFill>
+                <a:schemeClr val="accent1"/>
+              </a:solidFill>
+            </a:endParaRPr>
           </a:p>
         </p:txBody>
       </p:sp>
@@ -6354,6 +6672,1257 @@
     <p:extLst>
       <p:ext uri="{BB962C8B-B14F-4D97-AF65-F5344CB8AC3E}">
         <p14:creationId xmlns:p14="http://schemas.microsoft.com/office/powerpoint/2010/main" val="2053085854"/>
+      </p:ext>
+    </p:extLst>
+  </p:cSld>
+  <p:clrMapOvr>
+    <a:masterClrMapping/>
+  </p:clrMapOvr>
+  <p:timing>
+    <p:tnLst>
+      <p:par>
+        <p:cTn id="1" dur="indefinite" restart="never" nodeType="tmRoot"/>
+      </p:par>
+    </p:tnLst>
+  </p:timing>
+</p:sld>
+</file>
+
+<file path=ppt/slides/slide4.xml><?xml version="1.0" encoding="utf-8"?>
+<p:sld xmlns:a="http://schemas.openxmlformats.org/drawingml/2006/main" xmlns:r="http://schemas.openxmlformats.org/officeDocument/2006/relationships" xmlns:p="http://schemas.openxmlformats.org/presentationml/2006/main">
+  <p:cSld>
+    <p:spTree>
+      <p:nvGrpSpPr>
+        <p:cNvPr id="1" name=""/>
+        <p:cNvGrpSpPr/>
+        <p:nvPr/>
+      </p:nvGrpSpPr>
+      <p:grpSpPr>
+        <a:xfrm>
+          <a:off x="0" y="0"/>
+          <a:ext cx="0" cy="0"/>
+          <a:chOff x="0" y="0"/>
+          <a:chExt cx="0" cy="0"/>
+        </a:xfrm>
+      </p:grpSpPr>
+      <p:sp>
+        <p:nvSpPr>
+          <p:cNvPr id="2" name="Rectangle 1"/>
+          <p:cNvSpPr/>
+          <p:nvPr/>
+        </p:nvSpPr>
+        <p:spPr>
+          <a:xfrm>
+            <a:off x="2797781" y="276315"/>
+            <a:ext cx="3708066" cy="923330"/>
+          </a:xfrm>
+          <a:prstGeom prst="rect">
+            <a:avLst/>
+          </a:prstGeom>
+        </p:spPr>
+        <p:txBody>
+          <a:bodyPr wrap="none">
+            <a:spAutoFit/>
+          </a:bodyPr>
+          <a:lstStyle/>
+          <a:p>
+            <a:r>
+              <a:rPr lang="en-US" sz="5400" b="1" dirty="0">
+                <a:solidFill>
+                  <a:schemeClr val="accent1"/>
+                </a:solidFill>
+              </a:rPr>
+              <a:t>Flow </a:t>
+            </a:r>
+            <a:r>
+              <a:rPr lang="en-US" sz="5400" b="1" dirty="0" smtClean="0">
+                <a:solidFill>
+                  <a:schemeClr val="accent1"/>
+                </a:solidFill>
+              </a:rPr>
+              <a:t>Chart</a:t>
+            </a:r>
+            <a:endParaRPr lang="en-US" sz="5400" b="1" dirty="0">
+              <a:solidFill>
+                <a:schemeClr val="accent1"/>
+              </a:solidFill>
+            </a:endParaRPr>
+          </a:p>
+        </p:txBody>
+      </p:sp>
+      <p:sp>
+        <p:nvSpPr>
+          <p:cNvPr id="6" name="Oval 5"/>
+          <p:cNvSpPr/>
+          <p:nvPr/>
+        </p:nvSpPr>
+        <p:spPr>
+          <a:xfrm>
+            <a:off x="4209535" y="1466335"/>
+            <a:ext cx="1260389" cy="807308"/>
+          </a:xfrm>
+          <a:prstGeom prst="ellipse">
+            <a:avLst/>
+          </a:prstGeom>
+        </p:spPr>
+        <p:style>
+          <a:lnRef idx="2">
+            <a:schemeClr val="accent1">
+              <a:shade val="50000"/>
+            </a:schemeClr>
+          </a:lnRef>
+          <a:fillRef idx="1">
+            <a:schemeClr val="accent1"/>
+          </a:fillRef>
+          <a:effectRef idx="0">
+            <a:schemeClr val="accent1"/>
+          </a:effectRef>
+          <a:fontRef idx="minor">
+            <a:schemeClr val="lt1"/>
+          </a:fontRef>
+        </p:style>
+        <p:txBody>
+          <a:bodyPr rtlCol="0" anchor="ctr"/>
+          <a:lstStyle/>
+          <a:p>
+            <a:pPr algn="ctr"/>
+            <a:r>
+              <a:rPr lang="en-US" dirty="0" smtClean="0"/>
+              <a:t>Start</a:t>
+            </a:r>
+            <a:endParaRPr lang="en-US" dirty="0"/>
+          </a:p>
+        </p:txBody>
+      </p:sp>
+      <p:cxnSp>
+        <p:nvCxnSpPr>
+          <p:cNvPr id="8" name="Straight Arrow Connector 7"/>
+          <p:cNvCxnSpPr>
+            <a:stCxn id="6" idx="4"/>
+          </p:cNvCxnSpPr>
+          <p:nvPr/>
+        </p:nvCxnSpPr>
+        <p:spPr>
+          <a:xfrm flipH="1">
+            <a:off x="4839729" y="2273643"/>
+            <a:ext cx="1" cy="362465"/>
+          </a:xfrm>
+          <a:prstGeom prst="straightConnector1">
+            <a:avLst/>
+          </a:prstGeom>
+          <a:ln>
+            <a:tailEnd type="arrow"/>
+          </a:ln>
+        </p:spPr>
+        <p:style>
+          <a:lnRef idx="1">
+            <a:schemeClr val="accent1"/>
+          </a:lnRef>
+          <a:fillRef idx="0">
+            <a:schemeClr val="accent1"/>
+          </a:fillRef>
+          <a:effectRef idx="0">
+            <a:schemeClr val="accent1"/>
+          </a:effectRef>
+          <a:fontRef idx="minor">
+            <a:schemeClr val="tx1"/>
+          </a:fontRef>
+        </p:style>
+      </p:cxnSp>
+      <p:sp>
+        <p:nvSpPr>
+          <p:cNvPr id="9" name="Parallelogram 8"/>
+          <p:cNvSpPr/>
+          <p:nvPr/>
+        </p:nvSpPr>
+        <p:spPr>
+          <a:xfrm>
+            <a:off x="3691573" y="2636107"/>
+            <a:ext cx="2296312" cy="848497"/>
+          </a:xfrm>
+          <a:prstGeom prst="parallelogram">
+            <a:avLst/>
+          </a:prstGeom>
+        </p:spPr>
+        <p:style>
+          <a:lnRef idx="2">
+            <a:schemeClr val="accent1">
+              <a:shade val="50000"/>
+            </a:schemeClr>
+          </a:lnRef>
+          <a:fillRef idx="1">
+            <a:schemeClr val="accent1"/>
+          </a:fillRef>
+          <a:effectRef idx="0">
+            <a:schemeClr val="accent1"/>
+          </a:effectRef>
+          <a:fontRef idx="minor">
+            <a:schemeClr val="lt1"/>
+          </a:fontRef>
+        </p:style>
+        <p:txBody>
+          <a:bodyPr rtlCol="0" anchor="ctr"/>
+          <a:lstStyle/>
+          <a:p>
+            <a:pPr algn="ctr"/>
+            <a:r>
+              <a:rPr lang="en-US" dirty="0" smtClean="0"/>
+              <a:t>Input a,b,c</a:t>
+            </a:r>
+            <a:endParaRPr lang="en-US" dirty="0"/>
+          </a:p>
+        </p:txBody>
+      </p:sp>
+      <p:cxnSp>
+        <p:nvCxnSpPr>
+          <p:cNvPr id="11" name="Straight Arrow Connector 10"/>
+          <p:cNvCxnSpPr>
+            <a:stCxn id="9" idx="4"/>
+          </p:cNvCxnSpPr>
+          <p:nvPr/>
+        </p:nvCxnSpPr>
+        <p:spPr>
+          <a:xfrm>
+            <a:off x="4839729" y="3484604"/>
+            <a:ext cx="0" cy="288326"/>
+          </a:xfrm>
+          <a:prstGeom prst="straightConnector1">
+            <a:avLst/>
+          </a:prstGeom>
+          <a:ln>
+            <a:tailEnd type="arrow"/>
+          </a:ln>
+        </p:spPr>
+        <p:style>
+          <a:lnRef idx="1">
+            <a:schemeClr val="accent1"/>
+          </a:lnRef>
+          <a:fillRef idx="0">
+            <a:schemeClr val="accent1"/>
+          </a:fillRef>
+          <a:effectRef idx="0">
+            <a:schemeClr val="accent1"/>
+          </a:effectRef>
+          <a:fontRef idx="minor">
+            <a:schemeClr val="tx1"/>
+          </a:fontRef>
+        </p:style>
+      </p:cxnSp>
+      <p:sp>
+        <p:nvSpPr>
+          <p:cNvPr id="13" name="Rectangle 12"/>
+          <p:cNvSpPr/>
+          <p:nvPr/>
+        </p:nvSpPr>
+        <p:spPr>
+          <a:xfrm>
+            <a:off x="3691573" y="3772930"/>
+            <a:ext cx="2248929" cy="733167"/>
+          </a:xfrm>
+          <a:prstGeom prst="rect">
+            <a:avLst/>
+          </a:prstGeom>
+        </p:spPr>
+        <p:style>
+          <a:lnRef idx="2">
+            <a:schemeClr val="accent1">
+              <a:shade val="50000"/>
+            </a:schemeClr>
+          </a:lnRef>
+          <a:fillRef idx="1">
+            <a:schemeClr val="accent1"/>
+          </a:fillRef>
+          <a:effectRef idx="0">
+            <a:schemeClr val="accent1"/>
+          </a:effectRef>
+          <a:fontRef idx="minor">
+            <a:schemeClr val="lt1"/>
+          </a:fontRef>
+        </p:style>
+        <p:txBody>
+          <a:bodyPr rtlCol="0" anchor="ctr"/>
+          <a:lstStyle/>
+          <a:p>
+            <a:pPr algn="ctr"/>
+            <a:r>
+              <a:rPr lang="en-US" dirty="0" smtClean="0"/>
+              <a:t>Sum = a+b+c</a:t>
+            </a:r>
+            <a:endParaRPr lang="en-US" dirty="0"/>
+          </a:p>
+        </p:txBody>
+      </p:sp>
+      <p:sp>
+        <p:nvSpPr>
+          <p:cNvPr id="15" name="Rectangle 14"/>
+          <p:cNvSpPr/>
+          <p:nvPr/>
+        </p:nvSpPr>
+        <p:spPr>
+          <a:xfrm>
+            <a:off x="3687454" y="4786184"/>
+            <a:ext cx="2248929" cy="733167"/>
+          </a:xfrm>
+          <a:prstGeom prst="rect">
+            <a:avLst/>
+          </a:prstGeom>
+        </p:spPr>
+        <p:style>
+          <a:lnRef idx="2">
+            <a:schemeClr val="accent1">
+              <a:shade val="50000"/>
+            </a:schemeClr>
+          </a:lnRef>
+          <a:fillRef idx="1">
+            <a:schemeClr val="accent1"/>
+          </a:fillRef>
+          <a:effectRef idx="0">
+            <a:schemeClr val="accent1"/>
+          </a:effectRef>
+          <a:fontRef idx="minor">
+            <a:schemeClr val="lt1"/>
+          </a:fontRef>
+        </p:style>
+        <p:txBody>
+          <a:bodyPr rtlCol="0" anchor="ctr"/>
+          <a:lstStyle/>
+          <a:p>
+            <a:pPr algn="ctr"/>
+            <a:r>
+              <a:rPr lang="en-US" dirty="0" smtClean="0"/>
+              <a:t>Sum = a+b+c</a:t>
+            </a:r>
+            <a:endParaRPr lang="en-US" dirty="0"/>
+          </a:p>
+        </p:txBody>
+      </p:sp>
+      <p:cxnSp>
+        <p:nvCxnSpPr>
+          <p:cNvPr id="17" name="Straight Arrow Connector 16"/>
+          <p:cNvCxnSpPr>
+            <a:stCxn id="13" idx="2"/>
+            <a:endCxn id="15" idx="0"/>
+          </p:cNvCxnSpPr>
+          <p:nvPr/>
+        </p:nvCxnSpPr>
+        <p:spPr>
+          <a:xfrm flipH="1">
+            <a:off x="4811919" y="4506097"/>
+            <a:ext cx="4119" cy="280087"/>
+          </a:xfrm>
+          <a:prstGeom prst="straightConnector1">
+            <a:avLst/>
+          </a:prstGeom>
+          <a:ln>
+            <a:tailEnd type="arrow"/>
+          </a:ln>
+        </p:spPr>
+        <p:style>
+          <a:lnRef idx="1">
+            <a:schemeClr val="accent1"/>
+          </a:lnRef>
+          <a:fillRef idx="0">
+            <a:schemeClr val="accent1"/>
+          </a:fillRef>
+          <a:effectRef idx="0">
+            <a:schemeClr val="accent1"/>
+          </a:effectRef>
+          <a:fontRef idx="minor">
+            <a:schemeClr val="tx1"/>
+          </a:fontRef>
+        </p:style>
+      </p:cxnSp>
+      <p:sp>
+        <p:nvSpPr>
+          <p:cNvPr id="18" name="Parallelogram 17"/>
+          <p:cNvSpPr/>
+          <p:nvPr/>
+        </p:nvSpPr>
+        <p:spPr>
+          <a:xfrm>
+            <a:off x="323332" y="4810898"/>
+            <a:ext cx="2490924" cy="939113"/>
+          </a:xfrm>
+          <a:prstGeom prst="parallelogram">
+            <a:avLst/>
+          </a:prstGeom>
+        </p:spPr>
+        <p:style>
+          <a:lnRef idx="2">
+            <a:schemeClr val="accent1">
+              <a:shade val="50000"/>
+            </a:schemeClr>
+          </a:lnRef>
+          <a:fillRef idx="1">
+            <a:schemeClr val="accent1"/>
+          </a:fillRef>
+          <a:effectRef idx="0">
+            <a:schemeClr val="accent1"/>
+          </a:effectRef>
+          <a:fontRef idx="minor">
+            <a:schemeClr val="lt1"/>
+          </a:fontRef>
+        </p:style>
+        <p:txBody>
+          <a:bodyPr rtlCol="0" anchor="ctr"/>
+          <a:lstStyle/>
+          <a:p>
+            <a:pPr algn="ctr"/>
+            <a:r>
+              <a:rPr lang="en-US" sz="1600" dirty="0" smtClean="0"/>
+              <a:t>Show the sum</a:t>
+            </a:r>
+            <a:br>
+              <a:rPr lang="en-US" sz="1600" dirty="0" smtClean="0"/>
+            </a:br>
+            <a:r>
+              <a:rPr lang="en-US" sz="1600" dirty="0" smtClean="0"/>
+              <a:t>show the average</a:t>
+            </a:r>
+            <a:endParaRPr lang="en-US" sz="1600" dirty="0"/>
+          </a:p>
+        </p:txBody>
+      </p:sp>
+      <p:cxnSp>
+        <p:nvCxnSpPr>
+          <p:cNvPr id="20" name="Straight Arrow Connector 19"/>
+          <p:cNvCxnSpPr>
+            <a:stCxn id="15" idx="1"/>
+          </p:cNvCxnSpPr>
+          <p:nvPr/>
+        </p:nvCxnSpPr>
+        <p:spPr>
+          <a:xfrm flipH="1">
+            <a:off x="2797781" y="5152768"/>
+            <a:ext cx="889673" cy="70021"/>
+          </a:xfrm>
+          <a:prstGeom prst="straightConnector1">
+            <a:avLst/>
+          </a:prstGeom>
+          <a:ln>
+            <a:tailEnd type="arrow"/>
+          </a:ln>
+        </p:spPr>
+        <p:style>
+          <a:lnRef idx="1">
+            <a:schemeClr val="accent1"/>
+          </a:lnRef>
+          <a:fillRef idx="0">
+            <a:schemeClr val="accent1"/>
+          </a:fillRef>
+          <a:effectRef idx="0">
+            <a:schemeClr val="accent1"/>
+          </a:effectRef>
+          <a:fontRef idx="minor">
+            <a:schemeClr val="tx1"/>
+          </a:fontRef>
+        </p:style>
+      </p:cxnSp>
+      <p:cxnSp>
+        <p:nvCxnSpPr>
+          <p:cNvPr id="22" name="Straight Arrow Connector 21"/>
+          <p:cNvCxnSpPr>
+            <a:stCxn id="18" idx="1"/>
+          </p:cNvCxnSpPr>
+          <p:nvPr/>
+        </p:nvCxnSpPr>
+        <p:spPr>
+          <a:xfrm flipH="1" flipV="1">
+            <a:off x="1631092" y="4382530"/>
+            <a:ext cx="55091" cy="428368"/>
+          </a:xfrm>
+          <a:prstGeom prst="straightConnector1">
+            <a:avLst/>
+          </a:prstGeom>
+          <a:ln>
+            <a:tailEnd type="arrow"/>
+          </a:ln>
+        </p:spPr>
+        <p:style>
+          <a:lnRef idx="1">
+            <a:schemeClr val="accent1"/>
+          </a:lnRef>
+          <a:fillRef idx="0">
+            <a:schemeClr val="accent1"/>
+          </a:fillRef>
+          <a:effectRef idx="0">
+            <a:schemeClr val="accent1"/>
+          </a:effectRef>
+          <a:fontRef idx="minor">
+            <a:schemeClr val="tx1"/>
+          </a:fontRef>
+        </p:style>
+      </p:cxnSp>
+      <p:sp>
+        <p:nvSpPr>
+          <p:cNvPr id="23" name="Oval 22"/>
+          <p:cNvSpPr/>
+          <p:nvPr/>
+        </p:nvSpPr>
+        <p:spPr>
+          <a:xfrm>
+            <a:off x="1020977" y="3772930"/>
+            <a:ext cx="1095633" cy="609600"/>
+          </a:xfrm>
+          <a:prstGeom prst="ellipse">
+            <a:avLst/>
+          </a:prstGeom>
+        </p:spPr>
+        <p:style>
+          <a:lnRef idx="2">
+            <a:schemeClr val="accent1">
+              <a:shade val="50000"/>
+            </a:schemeClr>
+          </a:lnRef>
+          <a:fillRef idx="1">
+            <a:schemeClr val="accent1"/>
+          </a:fillRef>
+          <a:effectRef idx="0">
+            <a:schemeClr val="accent1"/>
+          </a:effectRef>
+          <a:fontRef idx="minor">
+            <a:schemeClr val="lt1"/>
+          </a:fontRef>
+        </p:style>
+        <p:txBody>
+          <a:bodyPr rtlCol="0" anchor="ctr"/>
+          <a:lstStyle/>
+          <a:p>
+            <a:pPr algn="ctr"/>
+            <a:r>
+              <a:rPr lang="en-US" dirty="0"/>
+              <a:t>E</a:t>
+            </a:r>
+            <a:r>
+              <a:rPr lang="en-US" dirty="0" smtClean="0"/>
+              <a:t>nd</a:t>
+            </a:r>
+            <a:endParaRPr lang="en-US" dirty="0"/>
+          </a:p>
+        </p:txBody>
+      </p:sp>
+    </p:spTree>
+    <p:extLst>
+      <p:ext uri="{BB962C8B-B14F-4D97-AF65-F5344CB8AC3E}">
+        <p14:creationId xmlns:p14="http://schemas.microsoft.com/office/powerpoint/2010/main" val="2324226502"/>
+      </p:ext>
+    </p:extLst>
+  </p:cSld>
+  <p:clrMapOvr>
+    <a:masterClrMapping/>
+  </p:clrMapOvr>
+  <p:timing>
+    <p:tnLst>
+      <p:par>
+        <p:cTn id="1" dur="indefinite" restart="never" nodeType="tmRoot"/>
+      </p:par>
+    </p:tnLst>
+  </p:timing>
+</p:sld>
+</file>
+
+<file path=ppt/slides/slide5.xml><?xml version="1.0" encoding="utf-8"?>
+<p:sld xmlns:a="http://schemas.openxmlformats.org/drawingml/2006/main" xmlns:r="http://schemas.openxmlformats.org/officeDocument/2006/relationships" xmlns:p="http://schemas.openxmlformats.org/presentationml/2006/main">
+  <p:cSld>
+    <p:spTree>
+      <p:nvGrpSpPr>
+        <p:cNvPr id="1" name=""/>
+        <p:cNvGrpSpPr/>
+        <p:nvPr/>
+      </p:nvGrpSpPr>
+      <p:grpSpPr>
+        <a:xfrm>
+          <a:off x="0" y="0"/>
+          <a:ext cx="0" cy="0"/>
+          <a:chOff x="0" y="0"/>
+          <a:chExt cx="0" cy="0"/>
+        </a:xfrm>
+      </p:grpSpPr>
+      <p:sp>
+        <p:nvSpPr>
+          <p:cNvPr id="2" name="Title 1"/>
+          <p:cNvSpPr>
+            <a:spLocks noGrp="1"/>
+          </p:cNvSpPr>
+          <p:nvPr>
+            <p:ph type="title"/>
+          </p:nvPr>
+        </p:nvSpPr>
+        <p:spPr>
+          <a:xfrm>
+            <a:off x="1837037" y="74141"/>
+            <a:ext cx="5468122" cy="1013254"/>
+          </a:xfrm>
+        </p:spPr>
+        <p:txBody>
+          <a:bodyPr>
+            <a:normAutofit/>
+          </a:bodyPr>
+          <a:lstStyle/>
+          <a:p>
+            <a:pPr algn="ctr"/>
+            <a:r>
+              <a:rPr lang="en-US" sz="4800" b="1" dirty="0" smtClean="0"/>
+              <a:t>Program</a:t>
+            </a:r>
+            <a:endParaRPr lang="en-US" sz="4800" b="1" dirty="0"/>
+          </a:p>
+        </p:txBody>
+      </p:sp>
+      <p:sp>
+        <p:nvSpPr>
+          <p:cNvPr id="3" name="Text Placeholder 2"/>
+          <p:cNvSpPr>
+            <a:spLocks noGrp="1"/>
+          </p:cNvSpPr>
+          <p:nvPr>
+            <p:ph type="body" idx="1"/>
+          </p:nvPr>
+        </p:nvSpPr>
+        <p:spPr>
+          <a:xfrm>
+            <a:off x="1608210" y="1326291"/>
+            <a:ext cx="8596668" cy="4739784"/>
+          </a:xfrm>
+        </p:spPr>
+        <p:txBody>
+          <a:bodyPr>
+            <a:noAutofit/>
+          </a:bodyPr>
+          <a:lstStyle/>
+          <a:p>
+            <a:r>
+              <a:rPr lang="en-US" sz="2400" dirty="0">
+                <a:solidFill>
+                  <a:schemeClr val="accent1"/>
+                </a:solidFill>
+              </a:rPr>
+              <a:t>#</a:t>
+            </a:r>
+            <a:r>
+              <a:rPr lang="en-US" sz="2400" dirty="0" smtClean="0">
+                <a:solidFill>
+                  <a:schemeClr val="accent1"/>
+                </a:solidFill>
+              </a:rPr>
+              <a:t>include&lt;</a:t>
+            </a:r>
+            <a:r>
+              <a:rPr lang="en-US" sz="2400" dirty="0" err="1" smtClean="0">
+                <a:solidFill>
+                  <a:schemeClr val="accent1"/>
+                </a:solidFill>
+              </a:rPr>
+              <a:t>stdio.h</a:t>
+            </a:r>
+            <a:r>
+              <a:rPr lang="en-US" sz="2400" dirty="0">
+                <a:solidFill>
+                  <a:schemeClr val="accent1"/>
+                </a:solidFill>
+              </a:rPr>
+              <a:t>&gt;</a:t>
+            </a:r>
+            <a:r>
+              <a:rPr lang="en-US" sz="2400" dirty="0">
+                <a:solidFill>
+                  <a:schemeClr val="accent1"/>
+                </a:solidFill>
+              </a:rPr>
+              <a:t/>
+            </a:r>
+            <a:br>
+              <a:rPr lang="en-US" sz="2400" dirty="0">
+                <a:solidFill>
+                  <a:schemeClr val="accent1"/>
+                </a:solidFill>
+              </a:rPr>
+            </a:br>
+            <a:r>
+              <a:rPr lang="en-US" sz="2400" dirty="0">
+                <a:solidFill>
+                  <a:schemeClr val="accent1"/>
+                </a:solidFill>
+              </a:rPr>
+              <a:t>int main()</a:t>
+            </a:r>
+            <a:r>
+              <a:rPr lang="en-US" sz="2400" dirty="0">
+                <a:solidFill>
+                  <a:schemeClr val="accent1"/>
+                </a:solidFill>
+              </a:rPr>
+              <a:t/>
+            </a:r>
+            <a:br>
+              <a:rPr lang="en-US" sz="2400" dirty="0">
+                <a:solidFill>
+                  <a:schemeClr val="accent1"/>
+                </a:solidFill>
+              </a:rPr>
+            </a:br>
+            <a:r>
+              <a:rPr lang="en-US" sz="2400" dirty="0">
+                <a:solidFill>
+                  <a:schemeClr val="accent1"/>
+                </a:solidFill>
+              </a:rPr>
+              <a:t>{</a:t>
+            </a:r>
+            <a:r>
+              <a:rPr lang="en-US" sz="2400" dirty="0">
+                <a:solidFill>
+                  <a:schemeClr val="accent1"/>
+                </a:solidFill>
+              </a:rPr>
+              <a:t/>
+            </a:r>
+            <a:br>
+              <a:rPr lang="en-US" sz="2400" dirty="0">
+                <a:solidFill>
+                  <a:schemeClr val="accent1"/>
+                </a:solidFill>
+              </a:rPr>
+            </a:br>
+            <a:r>
+              <a:rPr lang="en-US" sz="2400" dirty="0">
+                <a:solidFill>
+                  <a:schemeClr val="accent1"/>
+                </a:solidFill>
+              </a:rPr>
+              <a:t>int a,b,c;</a:t>
+            </a:r>
+            <a:r>
+              <a:rPr lang="en-US" sz="2400" dirty="0">
+                <a:solidFill>
+                  <a:schemeClr val="accent1"/>
+                </a:solidFill>
+              </a:rPr>
+              <a:t/>
+            </a:r>
+            <a:br>
+              <a:rPr lang="en-US" sz="2400" dirty="0">
+                <a:solidFill>
+                  <a:schemeClr val="accent1"/>
+                </a:solidFill>
+              </a:rPr>
+            </a:br>
+            <a:r>
+              <a:rPr lang="en-US" sz="2400" dirty="0">
+                <a:solidFill>
+                  <a:schemeClr val="accent1"/>
+                </a:solidFill>
+              </a:rPr>
+              <a:t>float avg;</a:t>
+            </a:r>
+            <a:r>
+              <a:rPr lang="en-US" sz="2400" dirty="0">
+                <a:solidFill>
+                  <a:schemeClr val="accent1"/>
+                </a:solidFill>
+              </a:rPr>
+              <a:t/>
+            </a:r>
+            <a:br>
+              <a:rPr lang="en-US" sz="2400" dirty="0">
+                <a:solidFill>
+                  <a:schemeClr val="accent1"/>
+                </a:solidFill>
+              </a:rPr>
+            </a:br>
+            <a:r>
+              <a:rPr lang="en-US" sz="2400" dirty="0">
+                <a:solidFill>
+                  <a:schemeClr val="accent1"/>
+                </a:solidFill>
+              </a:rPr>
+              <a:t>printf("\nInput three integer: ");</a:t>
+            </a:r>
+            <a:r>
+              <a:rPr lang="en-US" sz="2400" dirty="0">
+                <a:solidFill>
+                  <a:schemeClr val="accent1"/>
+                </a:solidFill>
+              </a:rPr>
+              <a:t/>
+            </a:r>
+            <a:br>
+              <a:rPr lang="en-US" sz="2400" dirty="0">
+                <a:solidFill>
+                  <a:schemeClr val="accent1"/>
+                </a:solidFill>
+              </a:rPr>
+            </a:br>
+            <a:r>
+              <a:rPr lang="en-US" sz="2400" dirty="0">
+                <a:solidFill>
+                  <a:schemeClr val="accent1"/>
+                </a:solidFill>
+              </a:rPr>
+              <a:t>scanf("%d%d%d",&amp;a,&amp;b,&amp;c);</a:t>
+            </a:r>
+            <a:r>
+              <a:rPr lang="en-US" sz="2400" dirty="0">
+                <a:solidFill>
+                  <a:schemeClr val="accent1"/>
+                </a:solidFill>
+              </a:rPr>
+              <a:t/>
+            </a:r>
+            <a:br>
+              <a:rPr lang="en-US" sz="2400" dirty="0">
+                <a:solidFill>
+                  <a:schemeClr val="accent1"/>
+                </a:solidFill>
+              </a:rPr>
+            </a:br>
+            <a:r>
+              <a:rPr lang="en-US" sz="2400" dirty="0">
+                <a:solidFill>
+                  <a:schemeClr val="accent1"/>
+                </a:solidFill>
+              </a:rPr>
+              <a:t>sum=a+b+c;</a:t>
+            </a:r>
+            <a:r>
+              <a:rPr lang="en-US" sz="2400" dirty="0">
+                <a:solidFill>
+                  <a:schemeClr val="accent1"/>
+                </a:solidFill>
+              </a:rPr>
+              <a:t/>
+            </a:r>
+            <a:br>
+              <a:rPr lang="en-US" sz="2400" dirty="0">
+                <a:solidFill>
+                  <a:schemeClr val="accent1"/>
+                </a:solidFill>
+              </a:rPr>
+            </a:br>
+            <a:r>
+              <a:rPr lang="en-US" sz="2400" dirty="0">
+                <a:solidFill>
+                  <a:schemeClr val="accent1"/>
+                </a:solidFill>
+              </a:rPr>
+              <a:t>printf("\nSum=%d",sum);</a:t>
+            </a:r>
+            <a:r>
+              <a:rPr lang="en-US" sz="2400" dirty="0">
+                <a:solidFill>
+                  <a:schemeClr val="accent1"/>
+                </a:solidFill>
+              </a:rPr>
+              <a:t/>
+            </a:r>
+            <a:br>
+              <a:rPr lang="en-US" sz="2400" dirty="0">
+                <a:solidFill>
+                  <a:schemeClr val="accent1"/>
+                </a:solidFill>
+              </a:rPr>
+            </a:br>
+            <a:r>
+              <a:rPr lang="en-US" sz="2400" dirty="0">
+                <a:solidFill>
+                  <a:schemeClr val="accent1"/>
+                </a:solidFill>
+              </a:rPr>
+              <a:t>avg=(a+b+c)/3.0;</a:t>
+            </a:r>
+            <a:r>
+              <a:rPr lang="en-US" sz="2400" dirty="0">
+                <a:solidFill>
+                  <a:schemeClr val="accent1"/>
+                </a:solidFill>
+              </a:rPr>
+              <a:t/>
+            </a:r>
+            <a:br>
+              <a:rPr lang="en-US" sz="2400" dirty="0">
+                <a:solidFill>
+                  <a:schemeClr val="accent1"/>
+                </a:solidFill>
+              </a:rPr>
+            </a:br>
+            <a:r>
+              <a:rPr lang="en-US" sz="2400" dirty="0">
+                <a:solidFill>
+                  <a:schemeClr val="accent1"/>
+                </a:solidFill>
+              </a:rPr>
+              <a:t>printf("\nAvg = %.2f",avg);</a:t>
+            </a:r>
+            <a:r>
+              <a:rPr lang="en-US" sz="2400" dirty="0">
+                <a:solidFill>
+                  <a:schemeClr val="accent1"/>
+                </a:solidFill>
+              </a:rPr>
+              <a:t/>
+            </a:r>
+            <a:br>
+              <a:rPr lang="en-US" sz="2400" dirty="0">
+                <a:solidFill>
+                  <a:schemeClr val="accent1"/>
+                </a:solidFill>
+              </a:rPr>
+            </a:br>
+            <a:r>
+              <a:rPr lang="en-US" sz="2400" dirty="0">
+                <a:solidFill>
+                  <a:schemeClr val="accent1"/>
+                </a:solidFill>
+              </a:rPr>
+              <a:t>return 0;</a:t>
+            </a:r>
+            <a:r>
+              <a:rPr lang="en-US" sz="2400" dirty="0">
+                <a:solidFill>
+                  <a:schemeClr val="accent1"/>
+                </a:solidFill>
+              </a:rPr>
+              <a:t/>
+            </a:r>
+            <a:br>
+              <a:rPr lang="en-US" sz="2400" dirty="0">
+                <a:solidFill>
+                  <a:schemeClr val="accent1"/>
+                </a:solidFill>
+              </a:rPr>
+            </a:br>
+            <a:r>
+              <a:rPr lang="en-US" sz="2400" dirty="0">
+                <a:solidFill>
+                  <a:schemeClr val="accent1"/>
+                </a:solidFill>
+              </a:rPr>
+              <a:t>}</a:t>
+            </a:r>
+            <a:endParaRPr lang="en-US" sz="2400" dirty="0">
+              <a:solidFill>
+                <a:schemeClr val="accent1"/>
+              </a:solidFill>
+            </a:endParaRPr>
+          </a:p>
+        </p:txBody>
+      </p:sp>
+    </p:spTree>
+    <p:extLst>
+      <p:ext uri="{BB962C8B-B14F-4D97-AF65-F5344CB8AC3E}">
+        <p14:creationId xmlns:p14="http://schemas.microsoft.com/office/powerpoint/2010/main" val="1749720273"/>
+      </p:ext>
+    </p:extLst>
+  </p:cSld>
+  <p:clrMapOvr>
+    <a:masterClrMapping/>
+  </p:clrMapOvr>
+</p:sld>
+</file>
+
+<file path=ppt/slides/slide6.xml><?xml version="1.0" encoding="utf-8"?>
+<p:sld xmlns:a="http://schemas.openxmlformats.org/drawingml/2006/main" xmlns:r="http://schemas.openxmlformats.org/officeDocument/2006/relationships" xmlns:p="http://schemas.openxmlformats.org/presentationml/2006/main">
+  <p:cSld>
+    <p:spTree>
+      <p:nvGrpSpPr>
+        <p:cNvPr id="1" name=""/>
+        <p:cNvGrpSpPr/>
+        <p:nvPr/>
+      </p:nvGrpSpPr>
+      <p:grpSpPr>
+        <a:xfrm>
+          <a:off x="0" y="0"/>
+          <a:ext cx="0" cy="0"/>
+          <a:chOff x="0" y="0"/>
+          <a:chExt cx="0" cy="0"/>
+        </a:xfrm>
+      </p:grpSpPr>
+      <p:sp>
+        <p:nvSpPr>
+          <p:cNvPr id="2" name="TextBox 1"/>
+          <p:cNvSpPr txBox="1"/>
+          <p:nvPr/>
+        </p:nvSpPr>
+        <p:spPr>
+          <a:xfrm>
+            <a:off x="2883243" y="98854"/>
+            <a:ext cx="4142481" cy="769441"/>
+          </a:xfrm>
+          <a:prstGeom prst="rect">
+            <a:avLst/>
+          </a:prstGeom>
+          <a:noFill/>
+        </p:spPr>
+        <p:txBody>
+          <a:bodyPr wrap="none" rtlCol="0">
+            <a:spAutoFit/>
+          </a:bodyPr>
+          <a:lstStyle/>
+          <a:p>
+            <a:r>
+              <a:rPr lang="en-US" sz="4400" b="1" dirty="0" smtClean="0">
+                <a:solidFill>
+                  <a:schemeClr val="accent1"/>
+                </a:solidFill>
+              </a:rPr>
+              <a:t>Input &amp; Output</a:t>
+            </a:r>
+            <a:endParaRPr lang="en-US" sz="4400" b="1" dirty="0">
+              <a:solidFill>
+                <a:schemeClr val="accent1"/>
+              </a:solidFill>
+            </a:endParaRPr>
+          </a:p>
+        </p:txBody>
+      </p:sp>
+      <p:pic>
+        <p:nvPicPr>
+          <p:cNvPr id="1026" name="Picture 2"/>
+          <p:cNvPicPr>
+            <a:picLocks noChangeAspect="1" noChangeArrowheads="1"/>
+          </p:cNvPicPr>
+          <p:nvPr/>
+        </p:nvPicPr>
+        <p:blipFill>
+          <a:blip r:embed="rId2">
+            <a:extLst>
+              <a:ext uri="{28A0092B-C50C-407E-A947-70E740481C1C}">
+                <a14:useLocalDpi xmlns:a14="http://schemas.microsoft.com/office/drawing/2010/main" val="0"/>
+              </a:ext>
+            </a:extLst>
+          </a:blip>
+          <a:srcRect/>
+          <a:stretch>
+            <a:fillRect/>
+          </a:stretch>
+        </p:blipFill>
+        <p:spPr bwMode="auto">
+          <a:xfrm>
+            <a:off x="716115" y="1456853"/>
+            <a:ext cx="5334000" cy="2266950"/>
+          </a:xfrm>
+          <a:prstGeom prst="rect">
+            <a:avLst/>
+          </a:prstGeom>
+          <a:noFill/>
+          <a:ln>
+            <a:noFill/>
+          </a:ln>
+          <a:effectLst/>
+          <a:extLst>
+            <a:ext uri="{909E8E84-426E-40DD-AFC4-6F175D3DCCD1}">
+              <a14:hiddenFill xmlns:a14="http://schemas.microsoft.com/office/drawing/2010/main">
+                <a:solidFill>
+                  <a:schemeClr val="accent1"/>
+                </a:solidFill>
+              </a14:hiddenFill>
+            </a:ext>
+            <a:ext uri="{91240B29-F687-4F45-9708-019B960494DF}">
+              <a14:hiddenLine xmlns:a14="http://schemas.microsoft.com/office/drawing/2010/main" w="9525">
+                <a:solidFill>
+                  <a:schemeClr val="tx1"/>
+                </a:solidFill>
+                <a:miter lim="800000"/>
+                <a:headEnd/>
+                <a:tailEnd/>
+              </a14:hiddenLine>
+            </a:ext>
+            <a:ext uri="{AF507438-7753-43E0-B8FC-AC1667EBCBE1}">
+              <a14:hiddenEffects xmlns:a14="http://schemas.microsoft.com/office/drawing/2010/main">
+                <a:effectLst>
+                  <a:outerShdw dist="35921" dir="2700000" algn="ctr" rotWithShape="0">
+                    <a:schemeClr val="bg2"/>
+                  </a:outerShdw>
+                </a:effectLst>
+              </a14:hiddenEffects>
+            </a:ext>
+          </a:extLst>
+        </p:spPr>
+      </p:pic>
+      <p:sp>
+        <p:nvSpPr>
+          <p:cNvPr id="3" name="TextBox 2"/>
+          <p:cNvSpPr txBox="1"/>
+          <p:nvPr/>
+        </p:nvSpPr>
+        <p:spPr>
+          <a:xfrm>
+            <a:off x="6457313" y="2359495"/>
+            <a:ext cx="2250081" cy="461665"/>
+          </a:xfrm>
+          <a:prstGeom prst="rect">
+            <a:avLst/>
+          </a:prstGeom>
+          <a:noFill/>
+        </p:spPr>
+        <p:txBody>
+          <a:bodyPr wrap="square" rtlCol="0">
+            <a:spAutoFit/>
+          </a:bodyPr>
+          <a:lstStyle/>
+          <a:p>
+            <a:r>
+              <a:rPr lang="en-US" sz="2400" b="1" dirty="0" smtClean="0">
+                <a:solidFill>
+                  <a:schemeClr val="accent1"/>
+                </a:solidFill>
+              </a:rPr>
+              <a:t>Input 4, 5, 6</a:t>
+            </a:r>
+            <a:endParaRPr lang="en-US" sz="2400" b="1" dirty="0">
+              <a:solidFill>
+                <a:schemeClr val="accent1"/>
+              </a:solidFill>
+            </a:endParaRPr>
+          </a:p>
+        </p:txBody>
+      </p:sp>
+      <p:pic>
+        <p:nvPicPr>
+          <p:cNvPr id="1027" name="Picture 3"/>
+          <p:cNvPicPr>
+            <a:picLocks noChangeAspect="1" noChangeArrowheads="1"/>
+          </p:cNvPicPr>
+          <p:nvPr/>
+        </p:nvPicPr>
+        <p:blipFill>
+          <a:blip r:embed="rId3">
+            <a:extLst>
+              <a:ext uri="{28A0092B-C50C-407E-A947-70E740481C1C}">
+                <a14:useLocalDpi xmlns:a14="http://schemas.microsoft.com/office/drawing/2010/main" val="0"/>
+              </a:ext>
+            </a:extLst>
+          </a:blip>
+          <a:srcRect/>
+          <a:stretch>
+            <a:fillRect/>
+          </a:stretch>
+        </p:blipFill>
+        <p:spPr bwMode="auto">
+          <a:xfrm>
+            <a:off x="716115" y="4096693"/>
+            <a:ext cx="5153025" cy="2028825"/>
+          </a:xfrm>
+          <a:prstGeom prst="rect">
+            <a:avLst/>
+          </a:prstGeom>
+          <a:noFill/>
+          <a:ln>
+            <a:noFill/>
+          </a:ln>
+          <a:effectLst/>
+          <a:extLst>
+            <a:ext uri="{909E8E84-426E-40DD-AFC4-6F175D3DCCD1}">
+              <a14:hiddenFill xmlns:a14="http://schemas.microsoft.com/office/drawing/2010/main">
+                <a:solidFill>
+                  <a:schemeClr val="accent1"/>
+                </a:solidFill>
+              </a14:hiddenFill>
+            </a:ext>
+            <a:ext uri="{91240B29-F687-4F45-9708-019B960494DF}">
+              <a14:hiddenLine xmlns:a14="http://schemas.microsoft.com/office/drawing/2010/main" w="9525">
+                <a:solidFill>
+                  <a:schemeClr val="tx1"/>
+                </a:solidFill>
+                <a:miter lim="800000"/>
+                <a:headEnd/>
+                <a:tailEnd/>
+              </a14:hiddenLine>
+            </a:ext>
+            <a:ext uri="{AF507438-7753-43E0-B8FC-AC1667EBCBE1}">
+              <a14:hiddenEffects xmlns:a14="http://schemas.microsoft.com/office/drawing/2010/main">
+                <a:effectLst>
+                  <a:outerShdw dist="35921" dir="2700000" algn="ctr" rotWithShape="0">
+                    <a:schemeClr val="bg2"/>
+                  </a:outerShdw>
+                </a:effectLst>
+              </a14:hiddenEffects>
+            </a:ext>
+          </a:extLst>
+        </p:spPr>
+      </p:pic>
+      <p:sp>
+        <p:nvSpPr>
+          <p:cNvPr id="6" name="TextBox 5"/>
+          <p:cNvSpPr txBox="1"/>
+          <p:nvPr/>
+        </p:nvSpPr>
+        <p:spPr>
+          <a:xfrm>
+            <a:off x="6457312" y="4880272"/>
+            <a:ext cx="2250081" cy="830997"/>
+          </a:xfrm>
+          <a:prstGeom prst="rect">
+            <a:avLst/>
+          </a:prstGeom>
+          <a:noFill/>
+        </p:spPr>
+        <p:txBody>
+          <a:bodyPr wrap="square" rtlCol="0">
+            <a:spAutoFit/>
+          </a:bodyPr>
+          <a:lstStyle/>
+          <a:p>
+            <a:r>
+              <a:rPr lang="en-US" sz="2400" b="1" dirty="0" smtClean="0">
+                <a:solidFill>
+                  <a:schemeClr val="accent1"/>
+                </a:solidFill>
+              </a:rPr>
+              <a:t>Sum = 15</a:t>
+            </a:r>
+          </a:p>
+          <a:p>
+            <a:r>
+              <a:rPr lang="en-US" sz="2400" b="1" dirty="0" smtClean="0">
+                <a:solidFill>
+                  <a:schemeClr val="accent1"/>
+                </a:solidFill>
+              </a:rPr>
+              <a:t>Avg = 5.00</a:t>
+            </a:r>
+            <a:endParaRPr lang="en-US" sz="2400" b="1" dirty="0">
+              <a:solidFill>
+                <a:schemeClr val="accent1"/>
+              </a:solidFill>
+            </a:endParaRPr>
+          </a:p>
+        </p:txBody>
+      </p:sp>
+    </p:spTree>
+    <p:extLst>
+      <p:ext uri="{BB962C8B-B14F-4D97-AF65-F5344CB8AC3E}">
+        <p14:creationId xmlns:p14="http://schemas.microsoft.com/office/powerpoint/2010/main" val="814045897"/>
+      </p:ext>
+    </p:extLst>
+  </p:cSld>
+  <p:clrMapOvr>
+    <a:masterClrMapping/>
+  </p:clrMapOvr>
+</p:sld>
+</file>
+
+<file path=ppt/slides/slide7.xml><?xml version="1.0" encoding="utf-8"?>
+<p:sld xmlns:a="http://schemas.openxmlformats.org/drawingml/2006/main" xmlns:r="http://schemas.openxmlformats.org/officeDocument/2006/relationships" xmlns:p="http://schemas.openxmlformats.org/presentationml/2006/main">
+  <p:cSld>
+    <p:spTree>
+      <p:nvGrpSpPr>
+        <p:cNvPr id="1" name=""/>
+        <p:cNvGrpSpPr/>
+        <p:nvPr/>
+      </p:nvGrpSpPr>
+      <p:grpSpPr>
+        <a:xfrm>
+          <a:off x="0" y="0"/>
+          <a:ext cx="0" cy="0"/>
+          <a:chOff x="0" y="0"/>
+          <a:chExt cx="0" cy="0"/>
+        </a:xfrm>
+      </p:grpSpPr>
+    </p:spTree>
+    <p:extLst>
+      <p:ext uri="{BB962C8B-B14F-4D97-AF65-F5344CB8AC3E}">
+        <p14:creationId xmlns:p14="http://schemas.microsoft.com/office/powerpoint/2010/main" val="702626064"/>
       </p:ext>
     </p:extLst>
   </p:cSld>
@@ -6614,7 +8183,7 @@
   <a:extraClrSchemeLst/>
   <a:extLst>
     <a:ext uri="{05A4C25C-085E-4340-85A3-A5531E510DB2}">
-      <thm15:themeFamily xmlns:thm15="http://schemas.microsoft.com/office/thememl/2012/main" xmlns="" name="Facet" id="{C0C680CD-088A-49FC-A102-D699147F32B2}" vid="{CFBC31BA-B70F-4F30-BCAA-4F3011E16C4D}"/>
+      <thm15:themeFamily xmlns="" xmlns:thm15="http://schemas.microsoft.com/office/thememl/2012/main" name="Facet" id="{C0C680CD-088A-49FC-A102-D699147F32B2}" vid="{CFBC31BA-B70F-4F30-BCAA-4F3011E16C4D}"/>
     </a:ext>
   </a:extLst>
 </a:theme>
